--- a/Major Project/Bean Presentation.pptx
+++ b/Major Project/Bean Presentation.pptx
@@ -123,15 +123,12 @@
       </a:defRPr>
     </a:lvl9pPr>
   </p:defaultTextStyle>
+  <p:extLst>
+    <p:ext uri="{EFAFB233-063F-42B5-8137-9DF3F51BA10A}">
+      <p15:sldGuideLst xmlns:p15="http://schemas.microsoft.com/office/powerpoint/2012/main"/>
+    </p:ext>
+  </p:extLst>
 </p:presentation>
-</file>
-
-<file path=ppt/revisionInfo.xml><?xml version="1.0" encoding="utf-8"?>
-<p1510:revInfo xmlns:a="http://schemas.openxmlformats.org/drawingml/2006/main" xmlns:r="http://schemas.openxmlformats.org/officeDocument/2006/relationships" xmlns:p1510="http://schemas.microsoft.com/office/powerpoint/2015/10/main">
-  <p1510:revLst>
-    <p1510:client id="{CEECD351-081C-45A5-A901-D6746E15A6F3}" v="40" dt="2022-11-03T03:04:03.006"/>
-  </p1510:revLst>
-</p1510:revInfo>
 </file>
 
 <file path=ppt/changesInfos/changesInfo1.xml><?xml version="1.0" encoding="utf-8"?>
@@ -2188,6 +2185,30 @@
           </pc:sldLayoutMkLst>
         </pc:sldLayoutChg>
       </pc:sldMasterChg>
+    </pc:docChg>
+  </pc:docChgLst>
+  <pc:docChgLst>
+    <pc:chgData name="Matthias Rathbun" userId="3a650b44-75e1-4bbe-94af-35bcc3991df1" providerId="ADAL" clId="{61E2CFC8-74FB-4DFA-AE7E-26FC67B6211C}"/>
+    <pc:docChg chg="undo redo custSel modSld">
+      <pc:chgData name="Matthias Rathbun" userId="3a650b44-75e1-4bbe-94af-35bcc3991df1" providerId="ADAL" clId="{61E2CFC8-74FB-4DFA-AE7E-26FC67B6211C}" dt="2022-11-22T21:33:56.138" v="2" actId="313"/>
+      <pc:docMkLst>
+        <pc:docMk/>
+      </pc:docMkLst>
+      <pc:sldChg chg="modSp mod">
+        <pc:chgData name="Matthias Rathbun" userId="3a650b44-75e1-4bbe-94af-35bcc3991df1" providerId="ADAL" clId="{61E2CFC8-74FB-4DFA-AE7E-26FC67B6211C}" dt="2022-11-22T21:33:56.138" v="2" actId="313"/>
+        <pc:sldMkLst>
+          <pc:docMk/>
+          <pc:sldMk cId="3306815727" sldId="258"/>
+        </pc:sldMkLst>
+        <pc:spChg chg="mod">
+          <ac:chgData name="Matthias Rathbun" userId="3a650b44-75e1-4bbe-94af-35bcc3991df1" providerId="ADAL" clId="{61E2CFC8-74FB-4DFA-AE7E-26FC67B6211C}" dt="2022-11-22T21:33:56.138" v="2" actId="313"/>
+          <ac:spMkLst>
+            <pc:docMk/>
+            <pc:sldMk cId="3306815727" sldId="258"/>
+            <ac:spMk id="3" creationId="{76C2D42C-7EBB-F6E8-A502-3EF0BBA1EADD}"/>
+          </ac:spMkLst>
+        </pc:spChg>
+      </pc:sldChg>
     </pc:docChg>
   </pc:docChgLst>
 </pc:chgInfo>
@@ -2340,7 +2361,7 @@
           <a:p>
             <a:fld id="{46C1B3EA-2660-4DC3-960D-5F2DAE4BA6ED}" type="datetimeFigureOut">
               <a:rPr lang="en-US" smtClean="0"/>
-              <a:t>11/2/2022</a:t>
+              <a:t>11/22/2022</a:t>
             </a:fld>
             <a:endParaRPr lang="en-US"/>
           </a:p>
@@ -2538,7 +2559,7 @@
           <a:p>
             <a:fld id="{46C1B3EA-2660-4DC3-960D-5F2DAE4BA6ED}" type="datetimeFigureOut">
               <a:rPr lang="en-US" smtClean="0"/>
-              <a:t>11/2/2022</a:t>
+              <a:t>11/22/2022</a:t>
             </a:fld>
             <a:endParaRPr lang="en-US"/>
           </a:p>
@@ -2746,7 +2767,7 @@
           <a:p>
             <a:fld id="{46C1B3EA-2660-4DC3-960D-5F2DAE4BA6ED}" type="datetimeFigureOut">
               <a:rPr lang="en-US" smtClean="0"/>
-              <a:t>11/2/2022</a:t>
+              <a:t>11/22/2022</a:t>
             </a:fld>
             <a:endParaRPr lang="en-US"/>
           </a:p>
@@ -2944,7 +2965,7 @@
           <a:p>
             <a:fld id="{46C1B3EA-2660-4DC3-960D-5F2DAE4BA6ED}" type="datetimeFigureOut">
               <a:rPr lang="en-US" smtClean="0"/>
-              <a:t>11/2/2022</a:t>
+              <a:t>11/22/2022</a:t>
             </a:fld>
             <a:endParaRPr lang="en-US"/>
           </a:p>
@@ -3219,7 +3240,7 @@
           <a:p>
             <a:fld id="{46C1B3EA-2660-4DC3-960D-5F2DAE4BA6ED}" type="datetimeFigureOut">
               <a:rPr lang="en-US" smtClean="0"/>
-              <a:t>11/2/2022</a:t>
+              <a:t>11/22/2022</a:t>
             </a:fld>
             <a:endParaRPr lang="en-US"/>
           </a:p>
@@ -3484,7 +3505,7 @@
           <a:p>
             <a:fld id="{46C1B3EA-2660-4DC3-960D-5F2DAE4BA6ED}" type="datetimeFigureOut">
               <a:rPr lang="en-US" smtClean="0"/>
-              <a:t>11/2/2022</a:t>
+              <a:t>11/22/2022</a:t>
             </a:fld>
             <a:endParaRPr lang="en-US"/>
           </a:p>
@@ -3896,7 +3917,7 @@
           <a:p>
             <a:fld id="{46C1B3EA-2660-4DC3-960D-5F2DAE4BA6ED}" type="datetimeFigureOut">
               <a:rPr lang="en-US" smtClean="0"/>
-              <a:t>11/2/2022</a:t>
+              <a:t>11/22/2022</a:t>
             </a:fld>
             <a:endParaRPr lang="en-US"/>
           </a:p>
@@ -4037,7 +4058,7 @@
           <a:p>
             <a:fld id="{46C1B3EA-2660-4DC3-960D-5F2DAE4BA6ED}" type="datetimeFigureOut">
               <a:rPr lang="en-US" smtClean="0"/>
-              <a:t>11/2/2022</a:t>
+              <a:t>11/22/2022</a:t>
             </a:fld>
             <a:endParaRPr lang="en-US"/>
           </a:p>
@@ -4150,7 +4171,7 @@
           <a:p>
             <a:fld id="{46C1B3EA-2660-4DC3-960D-5F2DAE4BA6ED}" type="datetimeFigureOut">
               <a:rPr lang="en-US" smtClean="0"/>
-              <a:t>11/2/2022</a:t>
+              <a:t>11/22/2022</a:t>
             </a:fld>
             <a:endParaRPr lang="en-US"/>
           </a:p>
@@ -4461,7 +4482,7 @@
           <a:p>
             <a:fld id="{46C1B3EA-2660-4DC3-960D-5F2DAE4BA6ED}" type="datetimeFigureOut">
               <a:rPr lang="en-US" smtClean="0"/>
-              <a:t>11/2/2022</a:t>
+              <a:t>11/22/2022</a:t>
             </a:fld>
             <a:endParaRPr lang="en-US"/>
           </a:p>
@@ -4749,7 +4770,7 @@
           <a:p>
             <a:fld id="{46C1B3EA-2660-4DC3-960D-5F2DAE4BA6ED}" type="datetimeFigureOut">
               <a:rPr lang="en-US" smtClean="0"/>
-              <a:t>11/2/2022</a:t>
+              <a:t>11/22/2022</a:t>
             </a:fld>
             <a:endParaRPr lang="en-US"/>
           </a:p>
@@ -4993,7 +5014,7 @@
           <a:p>
             <a:fld id="{46C1B3EA-2660-4DC3-960D-5F2DAE4BA6ED}" type="datetimeFigureOut">
               <a:rPr lang="en-US" smtClean="0"/>
-              <a:t>11/2/2022</a:t>
+              <a:t>11/22/2022</a:t>
             </a:fld>
             <a:endParaRPr lang="en-US"/>
           </a:p>
@@ -14788,27 +14809,8 @@
                 <a:ea typeface="+mn-ea"/>
                 <a:cs typeface="+mn-cs"/>
               </a:rPr>
-              <a:t>Obtained From UCI Machine Learning </a:t>
+              <a:t>Obtained From UCI Machine Learning Repository</a:t>
             </a:r>
-            <a:r>
-              <a:rPr lang="en-US" sz="2400" kern="1200" dirty="0" err="1">
-                <a:solidFill>
-                  <a:schemeClr val="tx1"/>
-                </a:solidFill>
-                <a:latin typeface="+mn-lt"/>
-                <a:ea typeface="+mn-ea"/>
-                <a:cs typeface="+mn-cs"/>
-              </a:rPr>
-              <a:t>Repositiory</a:t>
-            </a:r>
-            <a:endParaRPr lang="en-US" sz="2400" kern="1200" dirty="0">
-              <a:solidFill>
-                <a:schemeClr val="tx1"/>
-              </a:solidFill>
-              <a:latin typeface="+mn-lt"/>
-              <a:ea typeface="+mn-ea"/>
-              <a:cs typeface="+mn-cs"/>
-            </a:endParaRPr>
           </a:p>
         </p:txBody>
       </p:sp>
